--- a/Capstone/Docs/Homework/Template_Individual.pptx
+++ b/Capstone/Docs/Homework/Template_Individual.pptx
@@ -8,11 +8,18 @@
     <p:sldId id="256" r:id="rId2"/>
     <p:sldId id="257" r:id="rId3"/>
     <p:sldId id="258" r:id="rId4"/>
-    <p:sldId id="259" r:id="rId5"/>
-    <p:sldId id="260" r:id="rId6"/>
-    <p:sldId id="261" r:id="rId7"/>
-    <p:sldId id="262" r:id="rId8"/>
-    <p:sldId id="263" r:id="rId9"/>
+    <p:sldId id="264" r:id="rId5"/>
+    <p:sldId id="265" r:id="rId6"/>
+    <p:sldId id="266" r:id="rId7"/>
+    <p:sldId id="259" r:id="rId8"/>
+    <p:sldId id="267" r:id="rId9"/>
+    <p:sldId id="268" r:id="rId10"/>
+    <p:sldId id="260" r:id="rId11"/>
+    <p:sldId id="261" r:id="rId12"/>
+    <p:sldId id="269" r:id="rId13"/>
+    <p:sldId id="262" r:id="rId14"/>
+    <p:sldId id="270" r:id="rId15"/>
+    <p:sldId id="263" r:id="rId16"/>
   </p:sldIdLst>
   <p:sldSz cx="12192000" cy="6858000"/>
   <p:notesSz cx="6858000" cy="9144000"/>
@@ -111,6 +118,11 @@
       </a:defRPr>
     </a:lvl9pPr>
   </p:defaultTextStyle>
+  <p:extLst>
+    <p:ext uri="{EFAFB233-063F-42B5-8137-9DF3F51BA10A}">
+      <p15:sldGuideLst xmlns:p15="http://schemas.microsoft.com/office/powerpoint/2012/main"/>
+    </p:ext>
+  </p:extLst>
 </p:presentation>
 </file>
 
@@ -3013,6 +3025,712 @@
     <p:extLst>
       <p:ext uri="{BB962C8B-B14F-4D97-AF65-F5344CB8AC3E}">
         <p14:creationId xmlns:p14="http://schemas.microsoft.com/office/powerpoint/2010/main" val="2153115799"/>
+      </p:ext>
+    </p:extLst>
+  </p:cSld>
+  <p:clrMapOvr>
+    <a:masterClrMapping/>
+  </p:clrMapOvr>
+</p:sld>
+</file>
+
+<file path=ppt/slides/slide10.xml><?xml version="1.0" encoding="utf-8"?>
+<p:sld xmlns:a="http://schemas.openxmlformats.org/drawingml/2006/main" xmlns:r="http://schemas.openxmlformats.org/officeDocument/2006/relationships" xmlns:p="http://schemas.openxmlformats.org/presentationml/2006/main">
+  <p:cSld>
+    <p:spTree>
+      <p:nvGrpSpPr>
+        <p:cNvPr id="1" name=""/>
+        <p:cNvGrpSpPr/>
+        <p:nvPr/>
+      </p:nvGrpSpPr>
+      <p:grpSpPr>
+        <a:xfrm>
+          <a:off x="0" y="0"/>
+          <a:ext cx="0" cy="0"/>
+          <a:chOff x="0" y="0"/>
+          <a:chExt cx="0" cy="0"/>
+        </a:xfrm>
+      </p:grpSpPr>
+      <p:sp>
+        <p:nvSpPr>
+          <p:cNvPr id="2" name="Title 1"/>
+          <p:cNvSpPr>
+            <a:spLocks noGrp="1"/>
+          </p:cNvSpPr>
+          <p:nvPr>
+            <p:ph type="title"/>
+          </p:nvPr>
+        </p:nvSpPr>
+        <p:spPr/>
+        <p:txBody>
+          <a:bodyPr/>
+          <a:lstStyle/>
+          <a:p>
+            <a:r>
+              <a:rPr lang="en-US" dirty="0" smtClean="0"/>
+              <a:t>Feature Engineering</a:t>
+            </a:r>
+            <a:endParaRPr lang="en-US" dirty="0"/>
+          </a:p>
+        </p:txBody>
+      </p:sp>
+      <p:sp>
+        <p:nvSpPr>
+          <p:cNvPr id="3" name="Content Placeholder 2"/>
+          <p:cNvSpPr>
+            <a:spLocks noGrp="1"/>
+          </p:cNvSpPr>
+          <p:nvPr>
+            <p:ph idx="1"/>
+          </p:nvPr>
+        </p:nvSpPr>
+        <p:spPr/>
+        <p:txBody>
+          <a:bodyPr/>
+          <a:lstStyle/>
+          <a:p>
+            <a:r>
+              <a:rPr lang="en-US" dirty="0" smtClean="0"/>
+              <a:t>Feature engineering was used to:</a:t>
+            </a:r>
+          </a:p>
+          <a:p>
+            <a:pPr lvl="1"/>
+            <a:r>
+              <a:rPr lang="en-US" dirty="0" smtClean="0"/>
+              <a:t>Handle missing values</a:t>
+            </a:r>
+          </a:p>
+          <a:p>
+            <a:pPr lvl="1"/>
+            <a:r>
+              <a:rPr lang="en-US" dirty="0" smtClean="0"/>
+              <a:t>Re-categorize categorical features with small sub-populations (e.g. Neighborhood levels with only a few homes)</a:t>
+            </a:r>
+          </a:p>
+          <a:p>
+            <a:pPr lvl="1"/>
+            <a:r>
+              <a:rPr lang="en-US" dirty="0" smtClean="0"/>
+              <a:t>Log-transformation of non-normal distributions</a:t>
+            </a:r>
+            <a:endParaRPr lang="en-US" dirty="0" smtClean="0"/>
+          </a:p>
+          <a:p>
+            <a:pPr lvl="1"/>
+            <a:r>
+              <a:rPr lang="en-US" dirty="0" smtClean="0"/>
+              <a:t>Generate calculated synthetic features that may better predict home prices</a:t>
+            </a:r>
+          </a:p>
+          <a:p>
+            <a:pPr lvl="2"/>
+            <a:r>
+              <a:rPr lang="en-US" dirty="0" smtClean="0"/>
+              <a:t>Relative size of lot for the neighborhood it’s in (e.g. 0.5 acre is a lot in the city, but not much in the country)</a:t>
+            </a:r>
+          </a:p>
+          <a:p>
+            <a:pPr lvl="2"/>
+            <a:r>
+              <a:rPr lang="en-US" dirty="0" smtClean="0"/>
+              <a:t>Lot coverage (e.g. how much yard is left after we take out the home footprint)</a:t>
+            </a:r>
+            <a:endParaRPr lang="en-US" dirty="0"/>
+          </a:p>
+        </p:txBody>
+      </p:sp>
+    </p:spTree>
+    <p:extLst>
+      <p:ext uri="{BB962C8B-B14F-4D97-AF65-F5344CB8AC3E}">
+        <p14:creationId xmlns:p14="http://schemas.microsoft.com/office/powerpoint/2010/main" val="1731747632"/>
+      </p:ext>
+    </p:extLst>
+  </p:cSld>
+  <p:clrMapOvr>
+    <a:masterClrMapping/>
+  </p:clrMapOvr>
+</p:sld>
+</file>
+
+<file path=ppt/slides/slide11.xml><?xml version="1.0" encoding="utf-8"?>
+<p:sld xmlns:a="http://schemas.openxmlformats.org/drawingml/2006/main" xmlns:r="http://schemas.openxmlformats.org/officeDocument/2006/relationships" xmlns:p="http://schemas.openxmlformats.org/presentationml/2006/main">
+  <p:cSld>
+    <p:spTree>
+      <p:nvGrpSpPr>
+        <p:cNvPr id="1" name=""/>
+        <p:cNvGrpSpPr/>
+        <p:nvPr/>
+      </p:nvGrpSpPr>
+      <p:grpSpPr>
+        <a:xfrm>
+          <a:off x="0" y="0"/>
+          <a:ext cx="0" cy="0"/>
+          <a:chOff x="0" y="0"/>
+          <a:chExt cx="0" cy="0"/>
+        </a:xfrm>
+      </p:grpSpPr>
+      <p:sp>
+        <p:nvSpPr>
+          <p:cNvPr id="2" name="Title 1"/>
+          <p:cNvSpPr>
+            <a:spLocks noGrp="1"/>
+          </p:cNvSpPr>
+          <p:nvPr>
+            <p:ph type="title"/>
+          </p:nvPr>
+        </p:nvSpPr>
+        <p:spPr/>
+        <p:txBody>
+          <a:bodyPr/>
+          <a:lstStyle/>
+          <a:p>
+            <a:r>
+              <a:rPr lang="en-US" dirty="0" smtClean="0"/>
+              <a:t>Model Building</a:t>
+            </a:r>
+            <a:endParaRPr lang="en-US" dirty="0"/>
+          </a:p>
+        </p:txBody>
+      </p:sp>
+      <p:sp>
+        <p:nvSpPr>
+          <p:cNvPr id="3" name="Content Placeholder 2"/>
+          <p:cNvSpPr>
+            <a:spLocks noGrp="1"/>
+          </p:cNvSpPr>
+          <p:nvPr>
+            <p:ph idx="1"/>
+          </p:nvPr>
+        </p:nvSpPr>
+        <p:spPr/>
+        <p:txBody>
+          <a:bodyPr/>
+          <a:lstStyle/>
+          <a:p>
+            <a:r>
+              <a:rPr lang="en-US" dirty="0" smtClean="0"/>
+              <a:t>Which ML algorithm was used</a:t>
+            </a:r>
+          </a:p>
+          <a:p>
+            <a:r>
+              <a:rPr lang="en-US" dirty="0" smtClean="0"/>
+              <a:t>Did you use ensembles</a:t>
+            </a:r>
+          </a:p>
+          <a:p>
+            <a:r>
+              <a:rPr lang="en-US" dirty="0" smtClean="0"/>
+              <a:t>Which tools did you use</a:t>
+            </a:r>
+          </a:p>
+          <a:p>
+            <a:r>
+              <a:rPr lang="en-US" dirty="0" smtClean="0"/>
+              <a:t>Include</a:t>
+            </a:r>
+          </a:p>
+          <a:p>
+            <a:pPr lvl="1"/>
+            <a:r>
+              <a:rPr lang="en-US" dirty="0" smtClean="0"/>
+              <a:t>Screenshots</a:t>
+            </a:r>
+            <a:endParaRPr lang="en-US" dirty="0"/>
+          </a:p>
+        </p:txBody>
+      </p:sp>
+    </p:spTree>
+    <p:extLst>
+      <p:ext uri="{BB962C8B-B14F-4D97-AF65-F5344CB8AC3E}">
+        <p14:creationId xmlns:p14="http://schemas.microsoft.com/office/powerpoint/2010/main" val="2664007338"/>
+      </p:ext>
+    </p:extLst>
+  </p:cSld>
+  <p:clrMapOvr>
+    <a:masterClrMapping/>
+  </p:clrMapOvr>
+</p:sld>
+</file>
+
+<file path=ppt/slides/slide12.xml><?xml version="1.0" encoding="utf-8"?>
+<p:sld xmlns:a="http://schemas.openxmlformats.org/drawingml/2006/main" xmlns:r="http://schemas.openxmlformats.org/officeDocument/2006/relationships" xmlns:p="http://schemas.openxmlformats.org/presentationml/2006/main">
+  <p:cSld>
+    <p:spTree>
+      <p:nvGrpSpPr>
+        <p:cNvPr id="1" name=""/>
+        <p:cNvGrpSpPr/>
+        <p:nvPr/>
+      </p:nvGrpSpPr>
+      <p:grpSpPr>
+        <a:xfrm>
+          <a:off x="0" y="0"/>
+          <a:ext cx="0" cy="0"/>
+          <a:chOff x="0" y="0"/>
+          <a:chExt cx="0" cy="0"/>
+        </a:xfrm>
+      </p:grpSpPr>
+      <p:sp>
+        <p:nvSpPr>
+          <p:cNvPr id="2" name="Title 1"/>
+          <p:cNvSpPr>
+            <a:spLocks noGrp="1"/>
+          </p:cNvSpPr>
+          <p:nvPr>
+            <p:ph type="title"/>
+          </p:nvPr>
+        </p:nvSpPr>
+        <p:spPr/>
+        <p:txBody>
+          <a:bodyPr/>
+          <a:lstStyle/>
+          <a:p>
+            <a:r>
+              <a:rPr lang="en-US" dirty="0" smtClean="0"/>
+              <a:t>Model Building</a:t>
+            </a:r>
+            <a:endParaRPr lang="en-US" dirty="0"/>
+          </a:p>
+        </p:txBody>
+      </p:sp>
+      <p:sp>
+        <p:nvSpPr>
+          <p:cNvPr id="3" name="Content Placeholder 2"/>
+          <p:cNvSpPr>
+            <a:spLocks noGrp="1"/>
+          </p:cNvSpPr>
+          <p:nvPr>
+            <p:ph idx="1"/>
+          </p:nvPr>
+        </p:nvSpPr>
+        <p:spPr/>
+        <p:txBody>
+          <a:bodyPr>
+            <a:normAutofit lnSpcReduction="10000"/>
+          </a:bodyPr>
+          <a:lstStyle/>
+          <a:p>
+            <a:r>
+              <a:rPr lang="en-US" dirty="0" smtClean="0"/>
+              <a:t>Random Forest was used in the early exploratory stages due to:</a:t>
+            </a:r>
+          </a:p>
+          <a:p>
+            <a:pPr lvl="1"/>
+            <a:r>
+              <a:rPr lang="en-US" dirty="0" smtClean="0"/>
+              <a:t>Simplicity of model, very few hyper-parameters to tune for decent performance</a:t>
+            </a:r>
+          </a:p>
+          <a:p>
+            <a:pPr lvl="1"/>
+            <a:r>
+              <a:rPr lang="en-US" dirty="0" smtClean="0"/>
+              <a:t>Built-in cross-validation functions</a:t>
+            </a:r>
+          </a:p>
+          <a:p>
+            <a:pPr lvl="1"/>
+            <a:r>
+              <a:rPr lang="en-US" dirty="0" smtClean="0"/>
+              <a:t>Built-in feature importance indicators</a:t>
+            </a:r>
+          </a:p>
+          <a:p>
+            <a:r>
+              <a:rPr lang="en-US" dirty="0" smtClean="0"/>
+              <a:t>Ensemble methods were used to fine tune model performance after data exploration &amp; engineering were more mature</a:t>
+            </a:r>
+          </a:p>
+          <a:p>
+            <a:pPr lvl="1"/>
+            <a:r>
+              <a:rPr lang="en-US" dirty="0" smtClean="0"/>
+              <a:t>Used a stacked learning approach, with a top-level Random Forest merging predictions from:</a:t>
+            </a:r>
+          </a:p>
+          <a:p>
+            <a:pPr lvl="2"/>
+            <a:r>
+              <a:rPr lang="en-US" dirty="0" smtClean="0"/>
+              <a:t>Random Forest</a:t>
+            </a:r>
+          </a:p>
+          <a:p>
+            <a:pPr lvl="2"/>
+            <a:r>
+              <a:rPr lang="en-US" dirty="0" err="1" smtClean="0"/>
+              <a:t>xgBoost</a:t>
+            </a:r>
+            <a:endParaRPr lang="en-US" dirty="0" smtClean="0"/>
+          </a:p>
+          <a:p>
+            <a:pPr lvl="2"/>
+            <a:r>
+              <a:rPr lang="en-US" dirty="0" smtClean="0"/>
+              <a:t>Linear Model</a:t>
+            </a:r>
+          </a:p>
+        </p:txBody>
+      </p:sp>
+    </p:spTree>
+    <p:extLst>
+      <p:ext uri="{BB962C8B-B14F-4D97-AF65-F5344CB8AC3E}">
+        <p14:creationId xmlns:p14="http://schemas.microsoft.com/office/powerpoint/2010/main" val="3902215619"/>
+      </p:ext>
+    </p:extLst>
+  </p:cSld>
+  <p:clrMapOvr>
+    <a:masterClrMapping/>
+  </p:clrMapOvr>
+</p:sld>
+</file>
+
+<file path=ppt/slides/slide13.xml><?xml version="1.0" encoding="utf-8"?>
+<p:sld xmlns:a="http://schemas.openxmlformats.org/drawingml/2006/main" xmlns:r="http://schemas.openxmlformats.org/officeDocument/2006/relationships" xmlns:p="http://schemas.openxmlformats.org/presentationml/2006/main">
+  <p:cSld>
+    <p:spTree>
+      <p:nvGrpSpPr>
+        <p:cNvPr id="1" name=""/>
+        <p:cNvGrpSpPr/>
+        <p:nvPr/>
+      </p:nvGrpSpPr>
+      <p:grpSpPr>
+        <a:xfrm>
+          <a:off x="0" y="0"/>
+          <a:ext cx="0" cy="0"/>
+          <a:chOff x="0" y="0"/>
+          <a:chExt cx="0" cy="0"/>
+        </a:xfrm>
+      </p:grpSpPr>
+      <p:sp>
+        <p:nvSpPr>
+          <p:cNvPr id="2" name="Title 1"/>
+          <p:cNvSpPr>
+            <a:spLocks noGrp="1"/>
+          </p:cNvSpPr>
+          <p:nvPr>
+            <p:ph type="title"/>
+          </p:nvPr>
+        </p:nvSpPr>
+        <p:spPr/>
+        <p:txBody>
+          <a:bodyPr/>
+          <a:lstStyle/>
+          <a:p>
+            <a:r>
+              <a:rPr lang="en-US" dirty="0" smtClean="0"/>
+              <a:t>Evaluation</a:t>
+            </a:r>
+            <a:endParaRPr lang="en-US" dirty="0"/>
+          </a:p>
+        </p:txBody>
+      </p:sp>
+      <p:sp>
+        <p:nvSpPr>
+          <p:cNvPr id="3" name="Content Placeholder 2"/>
+          <p:cNvSpPr>
+            <a:spLocks noGrp="1"/>
+          </p:cNvSpPr>
+          <p:nvPr>
+            <p:ph idx="1"/>
+          </p:nvPr>
+        </p:nvSpPr>
+        <p:spPr/>
+        <p:txBody>
+          <a:bodyPr/>
+          <a:lstStyle/>
+          <a:p>
+            <a:r>
+              <a:rPr lang="en-US" dirty="0" smtClean="0"/>
+              <a:t>Key achievements</a:t>
+            </a:r>
+          </a:p>
+          <a:p>
+            <a:r>
+              <a:rPr lang="en-US" dirty="0" smtClean="0"/>
+              <a:t>Main metrics</a:t>
+            </a:r>
+            <a:endParaRPr lang="en-US" dirty="0"/>
+          </a:p>
+        </p:txBody>
+      </p:sp>
+    </p:spTree>
+    <p:extLst>
+      <p:ext uri="{BB962C8B-B14F-4D97-AF65-F5344CB8AC3E}">
+        <p14:creationId xmlns:p14="http://schemas.microsoft.com/office/powerpoint/2010/main" val="871483682"/>
+      </p:ext>
+    </p:extLst>
+  </p:cSld>
+  <p:clrMapOvr>
+    <a:masterClrMapping/>
+  </p:clrMapOvr>
+</p:sld>
+</file>
+
+<file path=ppt/slides/slide14.xml><?xml version="1.0" encoding="utf-8"?>
+<p:sld xmlns:a="http://schemas.openxmlformats.org/drawingml/2006/main" xmlns:r="http://schemas.openxmlformats.org/officeDocument/2006/relationships" xmlns:p="http://schemas.openxmlformats.org/presentationml/2006/main">
+  <p:cSld>
+    <p:spTree>
+      <p:nvGrpSpPr>
+        <p:cNvPr id="1" name=""/>
+        <p:cNvGrpSpPr/>
+        <p:nvPr/>
+      </p:nvGrpSpPr>
+      <p:grpSpPr>
+        <a:xfrm>
+          <a:off x="0" y="0"/>
+          <a:ext cx="0" cy="0"/>
+          <a:chOff x="0" y="0"/>
+          <a:chExt cx="0" cy="0"/>
+        </a:xfrm>
+      </p:grpSpPr>
+      <p:sp>
+        <p:nvSpPr>
+          <p:cNvPr id="2" name="Title 1"/>
+          <p:cNvSpPr>
+            <a:spLocks noGrp="1"/>
+          </p:cNvSpPr>
+          <p:nvPr>
+            <p:ph type="title"/>
+          </p:nvPr>
+        </p:nvSpPr>
+        <p:spPr/>
+        <p:txBody>
+          <a:bodyPr/>
+          <a:lstStyle/>
+          <a:p>
+            <a:r>
+              <a:rPr lang="en-US" dirty="0" smtClean="0"/>
+              <a:t>Evaluation</a:t>
+            </a:r>
+            <a:endParaRPr lang="en-US" dirty="0"/>
+          </a:p>
+        </p:txBody>
+      </p:sp>
+      <p:sp>
+        <p:nvSpPr>
+          <p:cNvPr id="3" name="Content Placeholder 2"/>
+          <p:cNvSpPr>
+            <a:spLocks noGrp="1"/>
+          </p:cNvSpPr>
+          <p:nvPr>
+            <p:ph idx="1"/>
+          </p:nvPr>
+        </p:nvSpPr>
+        <p:spPr/>
+        <p:txBody>
+          <a:bodyPr/>
+          <a:lstStyle/>
+          <a:p>
+            <a:r>
+              <a:rPr lang="en-US" dirty="0" smtClean="0"/>
+              <a:t>Metrics</a:t>
+            </a:r>
+          </a:p>
+          <a:p>
+            <a:pPr lvl="1"/>
+            <a:r>
+              <a:rPr lang="en-US" dirty="0" smtClean="0"/>
+              <a:t>To align with the competition metric, RMSE of </a:t>
+            </a:r>
+            <a:r>
+              <a:rPr lang="en-US" dirty="0" err="1" smtClean="0"/>
+              <a:t>SalePrice</a:t>
+            </a:r>
+            <a:r>
+              <a:rPr lang="en-US" dirty="0" smtClean="0"/>
+              <a:t> (not log-</a:t>
+            </a:r>
+            <a:r>
+              <a:rPr lang="en-US" dirty="0" err="1" smtClean="0"/>
+              <a:t>SalePrice</a:t>
+            </a:r>
+            <a:r>
+              <a:rPr lang="en-US" dirty="0" smtClean="0"/>
+              <a:t>!) was the critical learning metric of focus.</a:t>
+            </a:r>
+          </a:p>
+          <a:p>
+            <a:pPr lvl="1"/>
+            <a:r>
+              <a:rPr lang="en-US" dirty="0" smtClean="0"/>
+              <a:t>Accordingly, RMSE was used as the learning metric in the </a:t>
+            </a:r>
+            <a:r>
+              <a:rPr lang="en-US" dirty="0" err="1" smtClean="0"/>
+              <a:t>xgBoost</a:t>
+            </a:r>
+            <a:r>
+              <a:rPr lang="en-US" dirty="0" smtClean="0"/>
+              <a:t> model.</a:t>
+            </a:r>
+          </a:p>
+          <a:p>
+            <a:pPr lvl="1"/>
+            <a:r>
+              <a:rPr lang="en-US" dirty="0" smtClean="0"/>
+              <a:t>R</a:t>
+            </a:r>
+            <a:r>
+              <a:rPr lang="en-US" baseline="30000" dirty="0" smtClean="0"/>
+              <a:t>2</a:t>
+            </a:r>
+            <a:r>
+              <a:rPr lang="en-US" dirty="0" smtClean="0"/>
+              <a:t> output of the linear model was also used as a qualitative check of model fit.</a:t>
+            </a:r>
+          </a:p>
+          <a:p>
+            <a:r>
+              <a:rPr lang="en-US" dirty="0" smtClean="0"/>
+              <a:t>Achievements</a:t>
+            </a:r>
+          </a:p>
+          <a:p>
+            <a:pPr lvl="1"/>
+            <a:r>
+              <a:rPr lang="en-US" dirty="0" smtClean="0"/>
+              <a:t>The inclusion of calculated features and ensemble methods had a dramatic impact on RMSE- reducing the </a:t>
+            </a:r>
+            <a:r>
+              <a:rPr lang="en-US" dirty="0" err="1" smtClean="0"/>
+              <a:t>Kaggle</a:t>
+            </a:r>
+            <a:r>
+              <a:rPr lang="en-US" dirty="0" smtClean="0"/>
+              <a:t> score from .14522 to .13002</a:t>
+            </a:r>
+            <a:endParaRPr lang="en-US" dirty="0"/>
+          </a:p>
+        </p:txBody>
+      </p:sp>
+    </p:spTree>
+    <p:extLst>
+      <p:ext uri="{BB962C8B-B14F-4D97-AF65-F5344CB8AC3E}">
+        <p14:creationId xmlns:p14="http://schemas.microsoft.com/office/powerpoint/2010/main" val="784130017"/>
+      </p:ext>
+    </p:extLst>
+  </p:cSld>
+  <p:clrMapOvr>
+    <a:masterClrMapping/>
+  </p:clrMapOvr>
+</p:sld>
+</file>
+
+<file path=ppt/slides/slide15.xml><?xml version="1.0" encoding="utf-8"?>
+<p:sld xmlns:a="http://schemas.openxmlformats.org/drawingml/2006/main" xmlns:r="http://schemas.openxmlformats.org/officeDocument/2006/relationships" xmlns:p="http://schemas.openxmlformats.org/presentationml/2006/main">
+  <p:cSld>
+    <p:spTree>
+      <p:nvGrpSpPr>
+        <p:cNvPr id="1" name=""/>
+        <p:cNvGrpSpPr/>
+        <p:nvPr/>
+      </p:nvGrpSpPr>
+      <p:grpSpPr>
+        <a:xfrm>
+          <a:off x="0" y="0"/>
+          <a:ext cx="0" cy="0"/>
+          <a:chOff x="0" y="0"/>
+          <a:chExt cx="0" cy="0"/>
+        </a:xfrm>
+      </p:grpSpPr>
+      <p:sp>
+        <p:nvSpPr>
+          <p:cNvPr id="2" name="Title 1"/>
+          <p:cNvSpPr>
+            <a:spLocks noGrp="1"/>
+          </p:cNvSpPr>
+          <p:nvPr>
+            <p:ph type="title"/>
+          </p:nvPr>
+        </p:nvSpPr>
+        <p:spPr/>
+        <p:txBody>
+          <a:bodyPr/>
+          <a:lstStyle/>
+          <a:p>
+            <a:r>
+              <a:rPr lang="en-US" dirty="0" smtClean="0"/>
+              <a:t>Key </a:t>
+            </a:r>
+            <a:r>
+              <a:rPr lang="en-US" dirty="0" smtClean="0"/>
+              <a:t>Learnings</a:t>
+            </a:r>
+            <a:endParaRPr lang="en-US" dirty="0"/>
+          </a:p>
+        </p:txBody>
+      </p:sp>
+      <p:sp>
+        <p:nvSpPr>
+          <p:cNvPr id="3" name="Content Placeholder 2"/>
+          <p:cNvSpPr>
+            <a:spLocks noGrp="1"/>
+          </p:cNvSpPr>
+          <p:nvPr>
+            <p:ph idx="1"/>
+          </p:nvPr>
+        </p:nvSpPr>
+        <p:spPr/>
+        <p:txBody>
+          <a:bodyPr>
+            <a:normAutofit fontScale="85000" lnSpcReduction="20000"/>
+          </a:bodyPr>
+          <a:lstStyle/>
+          <a:p>
+            <a:r>
+              <a:rPr lang="en-US" dirty="0" smtClean="0"/>
+              <a:t>Simply applying an ML model to raw data doesn’t produce good results</a:t>
+            </a:r>
+          </a:p>
+          <a:p>
+            <a:pPr lvl="1"/>
+            <a:r>
+              <a:rPr lang="en-US" dirty="0" smtClean="0"/>
+              <a:t>Model will be skewed by missing data, outliers, errors, etc…</a:t>
+            </a:r>
+          </a:p>
+          <a:p>
+            <a:pPr lvl="1"/>
+            <a:r>
+              <a:rPr lang="en-US" dirty="0" smtClean="0"/>
+              <a:t>… if the prediction runs at all, as one-off categorical levels will crash the model</a:t>
+            </a:r>
+          </a:p>
+          <a:p>
+            <a:r>
+              <a:rPr lang="en-US" dirty="0" smtClean="0"/>
+              <a:t>In data cleansing, feature engineering and modeling phases, we see diminishing returns over multiple iterations. We shouldn’t put all of our time &amp; effort into any one activity, but rather make sure we are consistently good through the full pipeline.</a:t>
+            </a:r>
+          </a:p>
+          <a:p>
+            <a:pPr lvl="1"/>
+            <a:r>
+              <a:rPr lang="en-US" dirty="0" smtClean="0"/>
+              <a:t>That said, testing “ah-ha” ideas in feature engineering seem like the best opportunity for squeezing more performance out of models.</a:t>
+            </a:r>
+          </a:p>
+          <a:p>
+            <a:r>
+              <a:rPr lang="en-US" dirty="0" smtClean="0"/>
+              <a:t>In terms of team data science, the project highlights the importance of team alignment and tool standards to ensure repeatability and reproducibility of results.</a:t>
+            </a:r>
+          </a:p>
+          <a:p>
+            <a:r>
+              <a:rPr lang="en-US" dirty="0" smtClean="0"/>
+              <a:t>Good coding practice, while maybe slightly slower up front, pays off later when it allows for fast, broad experimentation with multiple models, feature sets, and engineered features.</a:t>
+            </a:r>
+            <a:endParaRPr lang="en-US" dirty="0"/>
+          </a:p>
+        </p:txBody>
+      </p:sp>
+    </p:spTree>
+    <p:extLst>
+      <p:ext uri="{BB962C8B-B14F-4D97-AF65-F5344CB8AC3E}">
+        <p14:creationId xmlns:p14="http://schemas.microsoft.com/office/powerpoint/2010/main" val="2325274992"/>
       </p:ext>
     </p:extLst>
   </p:cSld>
@@ -3512,44 +4230,20 @@
       </p:sp>
       <p:sp>
         <p:nvSpPr>
-          <p:cNvPr id="3" name="Content Placeholder 2"/>
-          <p:cNvSpPr>
-            <a:spLocks noGrp="1"/>
-          </p:cNvSpPr>
-          <p:nvPr>
-            <p:ph idx="1"/>
-          </p:nvPr>
-        </p:nvSpPr>
-        <p:spPr/>
-        <p:txBody>
-          <a:bodyPr/>
-          <a:lstStyle/>
-          <a:p>
-            <a:r>
-              <a:rPr lang="en-US" dirty="0" smtClean="0"/>
-              <a:t>Quick overview of the data (w/ visualization)</a:t>
-            </a:r>
-          </a:p>
-          <a:p>
-            <a:r>
-              <a:rPr lang="en-US" dirty="0" smtClean="0"/>
-              <a:t>Include</a:t>
-            </a:r>
-          </a:p>
-          <a:p>
-            <a:pPr lvl="1"/>
-            <a:r>
-              <a:rPr lang="en-US" dirty="0" smtClean="0"/>
-              <a:t>Interesting observations</a:t>
-            </a:r>
-          </a:p>
-          <a:p>
-            <a:pPr lvl="1"/>
-            <a:r>
-              <a:rPr lang="en-US" dirty="0" smtClean="0"/>
-              <a:t>Additional data sources</a:t>
-            </a:r>
-            <a:endParaRPr lang="en-US" dirty="0"/>
+          <p:cNvPr id="5" name="Text Placeholder 4"/>
+          <p:cNvSpPr>
+            <a:spLocks noGrp="1"/>
+          </p:cNvSpPr>
+          <p:nvPr>
+            <p:ph type="body" idx="1"/>
+          </p:nvPr>
+        </p:nvSpPr>
+        <p:spPr/>
+        <p:txBody>
+          <a:bodyPr/>
+          <a:lstStyle/>
+          <a:p>
+            <a:endParaRPr lang="en-US"/>
           </a:p>
         </p:txBody>
       </p:sp>
@@ -3600,7 +4294,7 @@
           <a:p>
             <a:r>
               <a:rPr lang="en-US" dirty="0" smtClean="0"/>
-              <a:t>Features</a:t>
+              <a:t>Data</a:t>
             </a:r>
             <a:endParaRPr lang="en-US" dirty="0"/>
           </a:p>
@@ -3623,15 +4317,80 @@
           <a:p>
             <a:r>
               <a:rPr lang="en-US" dirty="0" smtClean="0"/>
-              <a:t>Which features were selected and why?</a:t>
-            </a:r>
-          </a:p>
-        </p:txBody>
-      </p:sp>
+              <a:t>The target column for this competition was the </a:t>
+            </a:r>
+            <a:r>
+              <a:rPr lang="en-US" dirty="0" err="1" smtClean="0"/>
+              <a:t>SalePrice</a:t>
+            </a:r>
+            <a:r>
+              <a:rPr lang="en-US" dirty="0" smtClean="0"/>
+              <a:t> data. Initial review of </a:t>
+            </a:r>
+            <a:r>
+              <a:rPr lang="en-US" dirty="0" err="1" smtClean="0"/>
+              <a:t>SalePrice</a:t>
+            </a:r>
+            <a:r>
+              <a:rPr lang="en-US" dirty="0" smtClean="0"/>
+              <a:t> shows that prediction may benefit from a log transformation to more closely reflect a normal distribution. </a:t>
+            </a:r>
+            <a:endParaRPr lang="en-US" dirty="0"/>
+          </a:p>
+        </p:txBody>
+      </p:sp>
+      <p:pic>
+        <p:nvPicPr>
+          <p:cNvPr id="4" name="Picture 3"/>
+          <p:cNvPicPr>
+            <a:picLocks noChangeAspect="1"/>
+          </p:cNvPicPr>
+          <p:nvPr/>
+        </p:nvPicPr>
+        <p:blipFill>
+          <a:blip r:embed="rId2"/>
+          <a:stretch>
+            <a:fillRect/>
+          </a:stretch>
+        </p:blipFill>
+        <p:spPr>
+          <a:xfrm>
+            <a:off x="1091495" y="3259357"/>
+            <a:ext cx="6397708" cy="3256105"/>
+          </a:xfrm>
+          <a:prstGeom prst="rect">
+            <a:avLst/>
+          </a:prstGeom>
+        </p:spPr>
+      </p:pic>
+      <p:pic>
+        <p:nvPicPr>
+          <p:cNvPr id="5" name="Picture 4"/>
+          <p:cNvPicPr>
+            <a:picLocks noChangeAspect="1"/>
+          </p:cNvPicPr>
+          <p:nvPr/>
+        </p:nvPicPr>
+        <p:blipFill>
+          <a:blip r:embed="rId3"/>
+          <a:stretch>
+            <a:fillRect/>
+          </a:stretch>
+        </p:blipFill>
+        <p:spPr>
+          <a:xfrm>
+            <a:off x="7916559" y="3259357"/>
+            <a:ext cx="3796965" cy="2897995"/>
+          </a:xfrm>
+          <a:prstGeom prst="rect">
+            <a:avLst/>
+          </a:prstGeom>
+        </p:spPr>
+      </p:pic>
     </p:spTree>
     <p:extLst>
       <p:ext uri="{BB962C8B-B14F-4D97-AF65-F5344CB8AC3E}">
-        <p14:creationId xmlns:p14="http://schemas.microsoft.com/office/powerpoint/2010/main" val="3796394770"/>
+        <p14:creationId xmlns:p14="http://schemas.microsoft.com/office/powerpoint/2010/main" val="3747367957"/>
       </p:ext>
     </p:extLst>
   </p:cSld>
@@ -3675,7 +4434,7 @@
           <a:p>
             <a:r>
               <a:rPr lang="en-US" dirty="0" smtClean="0"/>
-              <a:t>Feature Engineering</a:t>
+              <a:t>Data</a:t>
             </a:r>
             <a:endParaRPr lang="en-US" dirty="0"/>
           </a:p>
@@ -3691,23 +4450,58 @@
             <p:ph idx="1"/>
           </p:nvPr>
         </p:nvSpPr>
-        <p:spPr/>
-        <p:txBody>
-          <a:bodyPr/>
-          <a:lstStyle/>
-          <a:p>
-            <a:r>
-              <a:rPr lang="en-US" dirty="0" smtClean="0"/>
-              <a:t>Describe any transformations</a:t>
+        <p:spPr>
+          <a:xfrm>
+            <a:off x="838200" y="1825625"/>
+            <a:ext cx="4044351" cy="4351338"/>
+          </a:xfrm>
+        </p:spPr>
+        <p:txBody>
+          <a:bodyPr/>
+          <a:lstStyle/>
+          <a:p>
+            <a:r>
+              <a:rPr lang="en-US" dirty="0" smtClean="0"/>
+              <a:t>Eta-square analysis was used to estimate the predictive power of categorical features. </a:t>
+            </a:r>
+          </a:p>
+          <a:p>
+            <a:r>
+              <a:rPr lang="en-US" dirty="0" smtClean="0"/>
+              <a:t>This shows the importance of Neighborhood.</a:t>
             </a:r>
             <a:endParaRPr lang="en-US" dirty="0"/>
           </a:p>
         </p:txBody>
       </p:sp>
+      <p:pic>
+        <p:nvPicPr>
+          <p:cNvPr id="4" name="Picture 3"/>
+          <p:cNvPicPr>
+            <a:picLocks noChangeAspect="1"/>
+          </p:cNvPicPr>
+          <p:nvPr/>
+        </p:nvPicPr>
+        <p:blipFill>
+          <a:blip r:embed="rId2"/>
+          <a:stretch>
+            <a:fillRect/>
+          </a:stretch>
+        </p:blipFill>
+        <p:spPr>
+          <a:xfrm>
+            <a:off x="5609785" y="365125"/>
+            <a:ext cx="6234545" cy="6078682"/>
+          </a:xfrm>
+          <a:prstGeom prst="rect">
+            <a:avLst/>
+          </a:prstGeom>
+        </p:spPr>
+      </p:pic>
     </p:spTree>
     <p:extLst>
       <p:ext uri="{BB962C8B-B14F-4D97-AF65-F5344CB8AC3E}">
-        <p14:creationId xmlns:p14="http://schemas.microsoft.com/office/powerpoint/2010/main" val="1731747632"/>
+        <p14:creationId xmlns:p14="http://schemas.microsoft.com/office/powerpoint/2010/main" val="953177850"/>
       </p:ext>
     </p:extLst>
   </p:cSld>
@@ -3751,7 +4545,7 @@
           <a:p>
             <a:r>
               <a:rPr lang="en-US" dirty="0" smtClean="0"/>
-              <a:t>Model Building</a:t>
+              <a:t>Data</a:t>
             </a:r>
             <a:endParaRPr lang="en-US" dirty="0"/>
           </a:p>
@@ -3767,48 +4561,74 @@
             <p:ph idx="1"/>
           </p:nvPr>
         </p:nvSpPr>
-        <p:spPr/>
-        <p:txBody>
-          <a:bodyPr/>
-          <a:lstStyle/>
-          <a:p>
-            <a:r>
-              <a:rPr lang="en-US" dirty="0" smtClean="0"/>
-              <a:t>Which ML algorithm was used</a:t>
-            </a:r>
-          </a:p>
-          <a:p>
-            <a:r>
-              <a:rPr lang="en-US" dirty="0" smtClean="0"/>
-              <a:t>Did you use ensembles</a:t>
-            </a:r>
-          </a:p>
-          <a:p>
-            <a:r>
-              <a:rPr lang="en-US" dirty="0" smtClean="0"/>
-              <a:t>Which tools did you use</a:t>
-            </a:r>
-          </a:p>
-          <a:p>
-            <a:r>
-              <a:rPr lang="en-US" dirty="0" smtClean="0"/>
-              <a:t>Include</a:t>
-            </a:r>
-          </a:p>
-          <a:p>
-            <a:pPr lvl="1"/>
-            <a:r>
-              <a:rPr lang="en-US" dirty="0" smtClean="0"/>
-              <a:t>Screenshots</a:t>
+        <p:spPr>
+          <a:xfrm>
+            <a:off x="838200" y="1825625"/>
+            <a:ext cx="3897702" cy="4281877"/>
+          </a:xfrm>
+        </p:spPr>
+        <p:txBody>
+          <a:bodyPr>
+            <a:normAutofit fontScale="92500" lnSpcReduction="10000"/>
+          </a:bodyPr>
+          <a:lstStyle/>
+          <a:p>
+            <a:r>
+              <a:rPr lang="en-US" dirty="0" smtClean="0"/>
+              <a:t>For numerical features, a correlation matrix highlights strong relationships to </a:t>
+            </a:r>
+            <a:r>
+              <a:rPr lang="en-US" dirty="0" err="1" smtClean="0"/>
+              <a:t>SalePrice</a:t>
+            </a:r>
+            <a:r>
+              <a:rPr lang="en-US" dirty="0" smtClean="0"/>
+              <a:t>.</a:t>
+            </a:r>
+          </a:p>
+          <a:p>
+            <a:r>
+              <a:rPr lang="en-US" dirty="0" smtClean="0"/>
+              <a:t>We see the importance of quality and size on home price. </a:t>
+            </a:r>
+          </a:p>
+          <a:p>
+            <a:r>
+              <a:rPr lang="en-US" dirty="0" smtClean="0"/>
+              <a:t>The correlation plot also show co-linearity between features that can inform feature reduction activities.</a:t>
             </a:r>
             <a:endParaRPr lang="en-US" dirty="0"/>
           </a:p>
         </p:txBody>
       </p:sp>
+      <p:pic>
+        <p:nvPicPr>
+          <p:cNvPr id="4" name="Picture 3"/>
+          <p:cNvPicPr>
+            <a:picLocks noChangeAspect="1"/>
+          </p:cNvPicPr>
+          <p:nvPr/>
+        </p:nvPicPr>
+        <p:blipFill>
+          <a:blip r:embed="rId2"/>
+          <a:stretch>
+            <a:fillRect/>
+          </a:stretch>
+        </p:blipFill>
+        <p:spPr>
+          <a:xfrm>
+            <a:off x="4898183" y="103514"/>
+            <a:ext cx="7105650" cy="6562725"/>
+          </a:xfrm>
+          <a:prstGeom prst="rect">
+            <a:avLst/>
+          </a:prstGeom>
+        </p:spPr>
+      </p:pic>
     </p:spTree>
     <p:extLst>
       <p:ext uri="{BB962C8B-B14F-4D97-AF65-F5344CB8AC3E}">
-        <p14:creationId xmlns:p14="http://schemas.microsoft.com/office/powerpoint/2010/main" val="2664007338"/>
+        <p14:creationId xmlns:p14="http://schemas.microsoft.com/office/powerpoint/2010/main" val="1503183278"/>
       </p:ext>
     </p:extLst>
   </p:cSld>
@@ -3852,7 +4672,7 @@
           <a:p>
             <a:r>
               <a:rPr lang="en-US" dirty="0" smtClean="0"/>
-              <a:t>Evaluation</a:t>
+              <a:t>Features</a:t>
             </a:r>
             <a:endParaRPr lang="en-US" dirty="0"/>
           </a:p>
@@ -3875,22 +4695,60 @@
           <a:p>
             <a:r>
               <a:rPr lang="en-US" dirty="0" smtClean="0"/>
-              <a:t>Key achievements</a:t>
-            </a:r>
-          </a:p>
-          <a:p>
-            <a:r>
-              <a:rPr lang="en-US" dirty="0" smtClean="0"/>
-              <a:t>Main metrics</a:t>
-            </a:r>
-            <a:endParaRPr lang="en-US" dirty="0"/>
-          </a:p>
-        </p:txBody>
-      </p:sp>
+              <a:t>Features were iteratively down-selected by building and evaluating models with varying feature sets.</a:t>
+            </a:r>
+          </a:p>
+          <a:p>
+            <a:r>
+              <a:rPr lang="en-US" dirty="0" smtClean="0"/>
+              <a:t>Initial Random Forest model was built using all features, and </a:t>
+            </a:r>
+            <a:r>
+              <a:rPr lang="en-US" dirty="0" err="1" smtClean="0"/>
+              <a:t>rfcv</a:t>
+            </a:r>
+            <a:r>
+              <a:rPr lang="en-US" dirty="0" smtClean="0"/>
+              <a:t> (random forest cross validation) implied strong performance could be achieved with &lt;30 variables</a:t>
+            </a:r>
+            <a:endParaRPr lang="en-US" dirty="0" smtClean="0"/>
+          </a:p>
+        </p:txBody>
+      </p:sp>
+      <p:pic>
+        <p:nvPicPr>
+          <p:cNvPr id="5" name="Picture 4"/>
+          <p:cNvPicPr>
+            <a:picLocks noChangeAspect="1"/>
+          </p:cNvPicPr>
+          <p:nvPr/>
+        </p:nvPicPr>
+        <p:blipFill>
+          <a:blip r:embed="rId2" cstate="print">
+            <a:extLst>
+              <a:ext uri="{28A0092B-C50C-407E-A947-70E740481C1C}">
+                <a14:useLocalDpi xmlns:a14="http://schemas.microsoft.com/office/drawing/2010/main" val="0"/>
+              </a:ext>
+            </a:extLst>
+          </a:blip>
+          <a:stretch>
+            <a:fillRect/>
+          </a:stretch>
+        </p:blipFill>
+        <p:spPr>
+          <a:xfrm>
+            <a:off x="3167691" y="3900537"/>
+            <a:ext cx="4164763" cy="2768131"/>
+          </a:xfrm>
+          <a:prstGeom prst="rect">
+            <a:avLst/>
+          </a:prstGeom>
+        </p:spPr>
+      </p:pic>
     </p:spTree>
     <p:extLst>
       <p:ext uri="{BB962C8B-B14F-4D97-AF65-F5344CB8AC3E}">
-        <p14:creationId xmlns:p14="http://schemas.microsoft.com/office/powerpoint/2010/main" val="871483682"/>
+        <p14:creationId xmlns:p14="http://schemas.microsoft.com/office/powerpoint/2010/main" val="3796394770"/>
       </p:ext>
     </p:extLst>
   </p:cSld>
@@ -3934,7 +4792,7 @@
           <a:p>
             <a:r>
               <a:rPr lang="en-US" dirty="0" smtClean="0"/>
-              <a:t>Key Learning</a:t>
+              <a:t>Features</a:t>
             </a:r>
             <a:endParaRPr lang="en-US" dirty="0"/>
           </a:p>
@@ -3950,23 +4808,163 @@
             <p:ph idx="1"/>
           </p:nvPr>
         </p:nvSpPr>
-        <p:spPr/>
-        <p:txBody>
-          <a:bodyPr/>
-          <a:lstStyle/>
-          <a:p>
-            <a:r>
-              <a:rPr lang="en-US" dirty="0" smtClean="0"/>
-              <a:t>Any key learnings</a:t>
+        <p:spPr>
+          <a:xfrm>
+            <a:off x="838200" y="1825625"/>
+            <a:ext cx="6180667" cy="4351338"/>
+          </a:xfrm>
+        </p:spPr>
+        <p:txBody>
+          <a:bodyPr/>
+          <a:lstStyle/>
+          <a:p>
+            <a:r>
+              <a:rPr lang="en-US" dirty="0" smtClean="0"/>
+              <a:t>By relying on the eta-square, correlation plot, and feature importance outputs of the random forest, features were iteratively eliminated.</a:t>
             </a:r>
             <a:endParaRPr lang="en-US" dirty="0"/>
           </a:p>
         </p:txBody>
       </p:sp>
+      <p:pic>
+        <p:nvPicPr>
+          <p:cNvPr id="4" name="Picture 3"/>
+          <p:cNvPicPr>
+            <a:picLocks noChangeAspect="1"/>
+          </p:cNvPicPr>
+          <p:nvPr/>
+        </p:nvPicPr>
+        <p:blipFill>
+          <a:blip r:embed="rId2">
+            <a:extLst>
+              <a:ext uri="{28A0092B-C50C-407E-A947-70E740481C1C}">
+                <a14:useLocalDpi xmlns:a14="http://schemas.microsoft.com/office/drawing/2010/main" val="0"/>
+              </a:ext>
+            </a:extLst>
+          </a:blip>
+          <a:stretch>
+            <a:fillRect/>
+          </a:stretch>
+        </p:blipFill>
+        <p:spPr>
+          <a:xfrm>
+            <a:off x="7275212" y="1125191"/>
+            <a:ext cx="4296375" cy="4963218"/>
+          </a:xfrm>
+          <a:prstGeom prst="rect">
+            <a:avLst/>
+          </a:prstGeom>
+        </p:spPr>
+      </p:pic>
     </p:spTree>
     <p:extLst>
       <p:ext uri="{BB962C8B-B14F-4D97-AF65-F5344CB8AC3E}">
-        <p14:creationId xmlns:p14="http://schemas.microsoft.com/office/powerpoint/2010/main" val="2325274992"/>
+        <p14:creationId xmlns:p14="http://schemas.microsoft.com/office/powerpoint/2010/main" val="1550202351"/>
+      </p:ext>
+    </p:extLst>
+  </p:cSld>
+  <p:clrMapOvr>
+    <a:masterClrMapping/>
+  </p:clrMapOvr>
+</p:sld>
+</file>
+
+<file path=ppt/slides/slide9.xml><?xml version="1.0" encoding="utf-8"?>
+<p:sld xmlns:a="http://schemas.openxmlformats.org/drawingml/2006/main" xmlns:r="http://schemas.openxmlformats.org/officeDocument/2006/relationships" xmlns:p="http://schemas.openxmlformats.org/presentationml/2006/main">
+  <p:cSld>
+    <p:spTree>
+      <p:nvGrpSpPr>
+        <p:cNvPr id="1" name=""/>
+        <p:cNvGrpSpPr/>
+        <p:nvPr/>
+      </p:nvGrpSpPr>
+      <p:grpSpPr>
+        <a:xfrm>
+          <a:off x="0" y="0"/>
+          <a:ext cx="0" cy="0"/>
+          <a:chOff x="0" y="0"/>
+          <a:chExt cx="0" cy="0"/>
+        </a:xfrm>
+      </p:grpSpPr>
+      <p:sp>
+        <p:nvSpPr>
+          <p:cNvPr id="2" name="Title 1"/>
+          <p:cNvSpPr>
+            <a:spLocks noGrp="1"/>
+          </p:cNvSpPr>
+          <p:nvPr>
+            <p:ph type="title"/>
+          </p:nvPr>
+        </p:nvSpPr>
+        <p:spPr/>
+        <p:txBody>
+          <a:bodyPr/>
+          <a:lstStyle/>
+          <a:p>
+            <a:r>
+              <a:rPr lang="en-US" dirty="0" smtClean="0"/>
+              <a:t>Features</a:t>
+            </a:r>
+            <a:endParaRPr lang="en-US" dirty="0"/>
+          </a:p>
+        </p:txBody>
+      </p:sp>
+      <p:sp>
+        <p:nvSpPr>
+          <p:cNvPr id="3" name="Content Placeholder 2"/>
+          <p:cNvSpPr>
+            <a:spLocks noGrp="1"/>
+          </p:cNvSpPr>
+          <p:nvPr>
+            <p:ph idx="1"/>
+          </p:nvPr>
+        </p:nvSpPr>
+        <p:spPr>
+          <a:xfrm>
+            <a:off x="838200" y="2336795"/>
+            <a:ext cx="10515600" cy="1549400"/>
+          </a:xfrm>
+        </p:spPr>
+        <p:txBody>
+          <a:bodyPr/>
+          <a:lstStyle/>
+          <a:p>
+            <a:r>
+              <a:rPr lang="en-US" dirty="0" smtClean="0"/>
+              <a:t>Of the original data columns, the selected features are as follows:</a:t>
+            </a:r>
+            <a:endParaRPr lang="en-US" dirty="0"/>
+          </a:p>
+        </p:txBody>
+      </p:sp>
+      <p:pic>
+        <p:nvPicPr>
+          <p:cNvPr id="5" name="Picture 4"/>
+          <p:cNvPicPr>
+            <a:picLocks noChangeAspect="1"/>
+          </p:cNvPicPr>
+          <p:nvPr/>
+        </p:nvPicPr>
+        <p:blipFill>
+          <a:blip r:embed="rId2"/>
+          <a:stretch>
+            <a:fillRect/>
+          </a:stretch>
+        </p:blipFill>
+        <p:spPr>
+          <a:xfrm>
+            <a:off x="2183870" y="3111495"/>
+            <a:ext cx="7553325" cy="1847850"/>
+          </a:xfrm>
+          <a:prstGeom prst="rect">
+            <a:avLst/>
+          </a:prstGeom>
+        </p:spPr>
+      </p:pic>
+    </p:spTree>
+    <p:extLst>
+      <p:ext uri="{BB962C8B-B14F-4D97-AF65-F5344CB8AC3E}">
+        <p14:creationId xmlns:p14="http://schemas.microsoft.com/office/powerpoint/2010/main" val="1478601496"/>
       </p:ext>
     </p:extLst>
   </p:cSld>
